--- a/Prezentacija Soft Computing RA10-2012.pptx
+++ b/Prezentacija Soft Computing RA10-2012.pptx
@@ -6922,11 +6922,6 @@
               </a:rPr>
               <a:t>Студент:</a:t>
             </a:r>
-            <a:endParaRPr lang="en-US" dirty="0">
-              <a:solidFill>
-                <a:srgbClr val="0A304A"/>
-              </a:solidFill>
-            </a:endParaRPr>
           </a:p>
           <a:p>
             <a:r>
@@ -7197,11 +7192,6 @@
               </a:rPr>
               <a:t>Професор:</a:t>
             </a:r>
-            <a:endParaRPr lang="en-US" dirty="0">
-              <a:solidFill>
-                <a:srgbClr val="0A304A"/>
-              </a:solidFill>
-            </a:endParaRPr>
           </a:p>
           <a:p>
             <a:r>
@@ -9195,6 +9185,12 @@
               </a:rPr>
               <a:t>(HOG) је веома захтеван за извршавање, релативно је спор</a:t>
             </a:r>
+            <a:endParaRPr lang="ru-RU" dirty="0">
+              <a:solidFill>
+                <a:srgbClr val="C62324"/>
+              </a:solidFill>
+              <a:latin typeface="Century Gothic" charset="0"/>
+            </a:endParaRPr>
           </a:p>
           <a:p>
             <a:pPr marL="342900" indent="-342900" algn="just">
@@ -9208,7 +9204,61 @@
                 </a:solidFill>
                 <a:latin typeface="Century Gothic" charset="0"/>
               </a:rPr>
-              <a:t>Потребно је да детектује цитаво тело</a:t>
+              <a:t>Потребно </a:t>
+            </a:r>
+            <a:r>
+              <a:rPr lang="ru-RU" dirty="0" err="1">
+                <a:solidFill>
+                  <a:srgbClr val="C62324"/>
+                </a:solidFill>
+                <a:latin typeface="Century Gothic" charset="0"/>
+              </a:rPr>
+              <a:t>је</a:t>
+            </a:r>
+            <a:r>
+              <a:rPr lang="ru-RU" dirty="0">
+                <a:solidFill>
+                  <a:srgbClr val="C62324"/>
+                </a:solidFill>
+                <a:latin typeface="Century Gothic" charset="0"/>
+              </a:rPr>
+              <a:t> да </a:t>
+            </a:r>
+            <a:r>
+              <a:rPr lang="ru-RU" dirty="0" err="1">
+                <a:solidFill>
+                  <a:srgbClr val="C62324"/>
+                </a:solidFill>
+                <a:latin typeface="Century Gothic" charset="0"/>
+              </a:rPr>
+              <a:t>детектује</a:t>
+            </a:r>
+            <a:r>
+              <a:rPr lang="ru-RU" dirty="0">
+                <a:solidFill>
+                  <a:srgbClr val="C62324"/>
+                </a:solidFill>
+                <a:latin typeface="Century Gothic" charset="0"/>
+              </a:rPr>
+              <a:t> </a:t>
+            </a:r>
+            <a:r>
+              <a:rPr lang="ru-RU" dirty="0" err="1">
+                <a:solidFill>
+                  <a:srgbClr val="C62324"/>
+                </a:solidFill>
+                <a:latin typeface="Century Gothic" charset="0"/>
+              </a:rPr>
+              <a:t>читаво</a:t>
+            </a:r>
+            <a:r>
+              <a:rPr lang="ru-RU" dirty="0">
+                <a:solidFill>
+                  <a:srgbClr val="C62324"/>
+                </a:solidFill>
+                <a:latin typeface="Century Gothic" charset="0"/>
+              </a:rPr>
+              <a:t> тело</a:t>
             </a:r>
           </a:p>
           <a:p>
